--- a/Mechanical/Schemenskizzen/Powerpoint/Futterschüssel_Zylinder.pptx
+++ b/Mechanical/Schemenskizzen/Powerpoint/Futterschüssel_Zylinder.pptx
@@ -112,10 +112,6 @@
 </p:presentation>
 </file>
 
-<file path=ppt/revisionInfo.xml><?xml version="1.0" encoding="utf-8"?>
-<p1510:revInfo xmlns:a="http://schemas.openxmlformats.org/drawingml/2006/main" xmlns:r="http://schemas.openxmlformats.org/officeDocument/2006/relationships" xmlns:p1510="http://schemas.microsoft.com/office/powerpoint/2015/10/main"/>
-</file>
-
 <file path=ppt/slideLayouts/slideLayout1.xml><?xml version="1.0" encoding="utf-8"?>
 <p:sldLayout xmlns:a="http://schemas.openxmlformats.org/drawingml/2006/main" xmlns:r="http://schemas.openxmlformats.org/officeDocument/2006/relationships" xmlns:p="http://schemas.openxmlformats.org/presentationml/2006/main" type="title" preserve="1">
   <p:cSld name="Titelfolie">
@@ -265,7 +261,7 @@
           <a:p>
             <a:fld id="{807D348F-E965-407C-9D79-0881A0B9A58D}" type="datetimeFigureOut">
               <a:rPr lang="de-AT" smtClean="0"/>
-              <a:t>09.01.2018</a:t>
+              <a:t>18.02.2018</a:t>
             </a:fld>
             <a:endParaRPr lang="de-AT"/>
           </a:p>
@@ -465,7 +461,7 @@
           <a:p>
             <a:fld id="{807D348F-E965-407C-9D79-0881A0B9A58D}" type="datetimeFigureOut">
               <a:rPr lang="de-AT" smtClean="0"/>
-              <a:t>09.01.2018</a:t>
+              <a:t>18.02.2018</a:t>
             </a:fld>
             <a:endParaRPr lang="de-AT"/>
           </a:p>
@@ -675,7 +671,7 @@
           <a:p>
             <a:fld id="{807D348F-E965-407C-9D79-0881A0B9A58D}" type="datetimeFigureOut">
               <a:rPr lang="de-AT" smtClean="0"/>
-              <a:t>09.01.2018</a:t>
+              <a:t>18.02.2018</a:t>
             </a:fld>
             <a:endParaRPr lang="de-AT"/>
           </a:p>
@@ -875,7 +871,7 @@
           <a:p>
             <a:fld id="{807D348F-E965-407C-9D79-0881A0B9A58D}" type="datetimeFigureOut">
               <a:rPr lang="de-AT" smtClean="0"/>
-              <a:t>09.01.2018</a:t>
+              <a:t>18.02.2018</a:t>
             </a:fld>
             <a:endParaRPr lang="de-AT"/>
           </a:p>
@@ -1151,7 +1147,7 @@
           <a:p>
             <a:fld id="{807D348F-E965-407C-9D79-0881A0B9A58D}" type="datetimeFigureOut">
               <a:rPr lang="de-AT" smtClean="0"/>
-              <a:t>09.01.2018</a:t>
+              <a:t>18.02.2018</a:t>
             </a:fld>
             <a:endParaRPr lang="de-AT"/>
           </a:p>
@@ -1419,7 +1415,7 @@
           <a:p>
             <a:fld id="{807D348F-E965-407C-9D79-0881A0B9A58D}" type="datetimeFigureOut">
               <a:rPr lang="de-AT" smtClean="0"/>
-              <a:t>09.01.2018</a:t>
+              <a:t>18.02.2018</a:t>
             </a:fld>
             <a:endParaRPr lang="de-AT"/>
           </a:p>
@@ -1834,7 +1830,7 @@
           <a:p>
             <a:fld id="{807D348F-E965-407C-9D79-0881A0B9A58D}" type="datetimeFigureOut">
               <a:rPr lang="de-AT" smtClean="0"/>
-              <a:t>09.01.2018</a:t>
+              <a:t>18.02.2018</a:t>
             </a:fld>
             <a:endParaRPr lang="de-AT"/>
           </a:p>
@@ -1976,7 +1972,7 @@
           <a:p>
             <a:fld id="{807D348F-E965-407C-9D79-0881A0B9A58D}" type="datetimeFigureOut">
               <a:rPr lang="de-AT" smtClean="0"/>
-              <a:t>09.01.2018</a:t>
+              <a:t>18.02.2018</a:t>
             </a:fld>
             <a:endParaRPr lang="de-AT"/>
           </a:p>
@@ -2089,7 +2085,7 @@
           <a:p>
             <a:fld id="{807D348F-E965-407C-9D79-0881A0B9A58D}" type="datetimeFigureOut">
               <a:rPr lang="de-AT" smtClean="0"/>
-              <a:t>09.01.2018</a:t>
+              <a:t>18.02.2018</a:t>
             </a:fld>
             <a:endParaRPr lang="de-AT"/>
           </a:p>
@@ -2402,7 +2398,7 @@
           <a:p>
             <a:fld id="{807D348F-E965-407C-9D79-0881A0B9A58D}" type="datetimeFigureOut">
               <a:rPr lang="de-AT" smtClean="0"/>
-              <a:t>09.01.2018</a:t>
+              <a:t>18.02.2018</a:t>
             </a:fld>
             <a:endParaRPr lang="de-AT"/>
           </a:p>
@@ -2691,7 +2687,7 @@
           <a:p>
             <a:fld id="{807D348F-E965-407C-9D79-0881A0B9A58D}" type="datetimeFigureOut">
               <a:rPr lang="de-AT" smtClean="0"/>
-              <a:t>09.01.2018</a:t>
+              <a:t>18.02.2018</a:t>
             </a:fld>
             <a:endParaRPr lang="de-AT"/>
           </a:p>
@@ -2934,7 +2930,7 @@
           <a:p>
             <a:fld id="{807D348F-E965-407C-9D79-0881A0B9A58D}" type="datetimeFigureOut">
               <a:rPr lang="de-AT" smtClean="0"/>
-              <a:t>09.01.2018</a:t>
+              <a:t>18.02.2018</a:t>
             </a:fld>
             <a:endParaRPr lang="de-AT"/>
           </a:p>
@@ -3351,256 +3347,6 @@
           <a:chExt cx="0" cy="0"/>
         </a:xfrm>
       </p:grpSpPr>
-      <p:sp>
-        <p:nvSpPr>
-          <p:cNvPr id="43" name="Rechteck 42">
-            <a:extLst>
-              <a:ext uri="{FF2B5EF4-FFF2-40B4-BE49-F238E27FC236}">
-                <a16:creationId xmlns:a16="http://schemas.microsoft.com/office/drawing/2014/main" id="{800C5E7A-3756-4FBB-BA7E-BCFE61BCFA81}"/>
-              </a:ext>
-            </a:extLst>
-          </p:cNvPr>
-          <p:cNvSpPr/>
-          <p:nvPr/>
-        </p:nvSpPr>
-        <p:spPr>
-          <a:xfrm>
-            <a:off x="4702861" y="5576358"/>
-            <a:ext cx="2816087" cy="517616"/>
-          </a:xfrm>
-          <a:prstGeom prst="rect">
-            <a:avLst/>
-          </a:prstGeom>
-          <a:solidFill>
-            <a:schemeClr val="accent1">
-              <a:lumMod val="20000"/>
-              <a:lumOff val="80000"/>
-            </a:schemeClr>
-          </a:solidFill>
-        </p:spPr>
-        <p:style>
-          <a:lnRef idx="2">
-            <a:schemeClr val="accent1">
-              <a:shade val="50000"/>
-            </a:schemeClr>
-          </a:lnRef>
-          <a:fillRef idx="1">
-            <a:schemeClr val="accent1"/>
-          </a:fillRef>
-          <a:effectRef idx="0">
-            <a:schemeClr val="accent1"/>
-          </a:effectRef>
-          <a:fontRef idx="minor">
-            <a:schemeClr val="lt1"/>
-          </a:fontRef>
-        </p:style>
-        <p:txBody>
-          <a:bodyPr rtlCol="0" anchor="ctr"/>
-          <a:lstStyle/>
-          <a:p>
-            <a:pPr algn="ctr"/>
-            <a:endParaRPr lang="de-AT"/>
-          </a:p>
-        </p:txBody>
-      </p:sp>
-      <p:sp>
-        <p:nvSpPr>
-          <p:cNvPr id="46" name="Trapezoid 45">
-            <a:extLst>
-              <a:ext uri="{FF2B5EF4-FFF2-40B4-BE49-F238E27FC236}">
-                <a16:creationId xmlns:a16="http://schemas.microsoft.com/office/drawing/2014/main" id="{0644969D-AF5B-4EFC-9B9B-B0E5921761A9}"/>
-              </a:ext>
-            </a:extLst>
-          </p:cNvPr>
-          <p:cNvSpPr/>
-          <p:nvPr/>
-        </p:nvSpPr>
-        <p:spPr>
-          <a:xfrm>
-            <a:off x="4890052" y="5202214"/>
-            <a:ext cx="887896" cy="374142"/>
-          </a:xfrm>
-          <a:prstGeom prst="trapezoid">
-            <a:avLst/>
-          </a:prstGeom>
-          <a:solidFill>
-            <a:schemeClr val="accent2">
-              <a:lumMod val="20000"/>
-              <a:lumOff val="80000"/>
-            </a:schemeClr>
-          </a:solidFill>
-        </p:spPr>
-        <p:style>
-          <a:lnRef idx="2">
-            <a:schemeClr val="accent1">
-              <a:shade val="50000"/>
-            </a:schemeClr>
-          </a:lnRef>
-          <a:fillRef idx="1">
-            <a:schemeClr val="accent1"/>
-          </a:fillRef>
-          <a:effectRef idx="0">
-            <a:schemeClr val="accent1"/>
-          </a:effectRef>
-          <a:fontRef idx="minor">
-            <a:schemeClr val="lt1"/>
-          </a:fontRef>
-        </p:style>
-        <p:txBody>
-          <a:bodyPr rtlCol="0" anchor="ctr"/>
-          <a:lstStyle/>
-          <a:p>
-            <a:pPr algn="ctr"/>
-            <a:endParaRPr lang="de-AT"/>
-          </a:p>
-        </p:txBody>
-      </p:sp>
-      <p:sp>
-        <p:nvSpPr>
-          <p:cNvPr id="47" name="Trapezoid 46">
-            <a:extLst>
-              <a:ext uri="{FF2B5EF4-FFF2-40B4-BE49-F238E27FC236}">
-                <a16:creationId xmlns:a16="http://schemas.microsoft.com/office/drawing/2014/main" id="{2E1DDD29-4624-4B04-904C-8C69389D92AF}"/>
-              </a:ext>
-            </a:extLst>
-          </p:cNvPr>
-          <p:cNvSpPr/>
-          <p:nvPr/>
-        </p:nvSpPr>
-        <p:spPr>
-          <a:xfrm>
-            <a:off x="6414051" y="5193696"/>
-            <a:ext cx="887896" cy="374142"/>
-          </a:xfrm>
-          <a:prstGeom prst="trapezoid">
-            <a:avLst/>
-          </a:prstGeom>
-          <a:solidFill>
-            <a:schemeClr val="accent2">
-              <a:lumMod val="20000"/>
-              <a:lumOff val="80000"/>
-            </a:schemeClr>
-          </a:solidFill>
-        </p:spPr>
-        <p:style>
-          <a:lnRef idx="2">
-            <a:schemeClr val="accent1">
-              <a:shade val="50000"/>
-            </a:schemeClr>
-          </a:lnRef>
-          <a:fillRef idx="1">
-            <a:schemeClr val="accent1"/>
-          </a:fillRef>
-          <a:effectRef idx="0">
-            <a:schemeClr val="accent1"/>
-          </a:effectRef>
-          <a:fontRef idx="minor">
-            <a:schemeClr val="lt1"/>
-          </a:fontRef>
-        </p:style>
-        <p:txBody>
-          <a:bodyPr rtlCol="0" anchor="ctr"/>
-          <a:lstStyle/>
-          <a:p>
-            <a:pPr algn="ctr"/>
-            <a:endParaRPr lang="de-AT"/>
-          </a:p>
-        </p:txBody>
-      </p:sp>
-      <p:cxnSp>
-        <p:nvCxnSpPr>
-          <p:cNvPr id="48" name="Gerader Verbinder 47">
-            <a:extLst>
-              <a:ext uri="{FF2B5EF4-FFF2-40B4-BE49-F238E27FC236}">
-                <a16:creationId xmlns:a16="http://schemas.microsoft.com/office/drawing/2014/main" id="{46FCCFCE-0A67-4508-87B7-E83C15CCC5C5}"/>
-              </a:ext>
-            </a:extLst>
-          </p:cNvPr>
-          <p:cNvCxnSpPr>
-            <a:cxnSpLocks/>
-          </p:cNvCxnSpPr>
-          <p:nvPr/>
-        </p:nvCxnSpPr>
-        <p:spPr>
-          <a:xfrm>
-            <a:off x="5333798" y="4931144"/>
-            <a:ext cx="0" cy="1026214"/>
-          </a:xfrm>
-          <a:prstGeom prst="line">
-            <a:avLst/>
-          </a:prstGeom>
-          <a:ln w="9525" cap="flat" cmpd="sng" algn="ctr">
-            <a:solidFill>
-              <a:schemeClr val="accent1"/>
-            </a:solidFill>
-            <a:prstDash val="dashDot"/>
-            <a:round/>
-            <a:headEnd type="none" w="med" len="med"/>
-            <a:tailEnd type="none" w="med" len="med"/>
-          </a:ln>
-        </p:spPr>
-        <p:style>
-          <a:lnRef idx="0">
-            <a:scrgbClr r="0" g="0" b="0"/>
-          </a:lnRef>
-          <a:fillRef idx="0">
-            <a:scrgbClr r="0" g="0" b="0"/>
-          </a:fillRef>
-          <a:effectRef idx="0">
-            <a:scrgbClr r="0" g="0" b="0"/>
-          </a:effectRef>
-          <a:fontRef idx="minor">
-            <a:schemeClr val="tx1"/>
-          </a:fontRef>
-        </p:style>
-      </p:cxnSp>
-      <p:cxnSp>
-        <p:nvCxnSpPr>
-          <p:cNvPr id="49" name="Gerader Verbinder 48">
-            <a:extLst>
-              <a:ext uri="{FF2B5EF4-FFF2-40B4-BE49-F238E27FC236}">
-                <a16:creationId xmlns:a16="http://schemas.microsoft.com/office/drawing/2014/main" id="{0F9114C1-6A41-4B15-9578-D2E1A3E987B0}"/>
-              </a:ext>
-            </a:extLst>
-          </p:cNvPr>
-          <p:cNvCxnSpPr>
-            <a:cxnSpLocks/>
-          </p:cNvCxnSpPr>
-          <p:nvPr/>
-        </p:nvCxnSpPr>
-        <p:spPr>
-          <a:xfrm>
-            <a:off x="6857999" y="4903758"/>
-            <a:ext cx="0" cy="1026214"/>
-          </a:xfrm>
-          <a:prstGeom prst="line">
-            <a:avLst/>
-          </a:prstGeom>
-          <a:ln w="9525" cap="flat" cmpd="sng" algn="ctr">
-            <a:solidFill>
-              <a:schemeClr val="accent1"/>
-            </a:solidFill>
-            <a:prstDash val="dashDot"/>
-            <a:round/>
-            <a:headEnd type="none" w="med" len="med"/>
-            <a:tailEnd type="none" w="med" len="med"/>
-          </a:ln>
-        </p:spPr>
-        <p:style>
-          <a:lnRef idx="0">
-            <a:scrgbClr r="0" g="0" b="0"/>
-          </a:lnRef>
-          <a:fillRef idx="0">
-            <a:scrgbClr r="0" g="0" b="0"/>
-          </a:fillRef>
-          <a:effectRef idx="0">
-            <a:scrgbClr r="0" g="0" b="0"/>
-          </a:effectRef>
-          <a:fontRef idx="minor">
-            <a:schemeClr val="tx1"/>
-          </a:fontRef>
-        </p:style>
-      </p:cxnSp>
       <p:grpSp>
         <p:nvGrpSpPr>
           <p:cNvPr id="57" name="Gruppieren 56">
@@ -3615,7 +3361,7 @@
         </p:nvGrpSpPr>
         <p:grpSpPr>
           <a:xfrm>
-            <a:off x="3637721" y="212464"/>
+            <a:off x="3591338" y="1683492"/>
             <a:ext cx="4916557" cy="4546325"/>
             <a:chOff x="3637721" y="212464"/>
             <a:chExt cx="4916557" cy="4546325"/>
@@ -4762,10 +4508,10 @@
       </p:grpSp>
       <p:grpSp>
         <p:nvGrpSpPr>
-          <p:cNvPr id="53" name="Gruppieren 52">
-            <a:extLst>
-              <a:ext uri="{FF2B5EF4-FFF2-40B4-BE49-F238E27FC236}">
-                <a16:creationId xmlns:a16="http://schemas.microsoft.com/office/drawing/2014/main" id="{72ACB89C-0D77-4750-8F8C-02519839FAD4}"/>
+          <p:cNvPr id="2" name="Gruppieren 1">
+            <a:extLst>
+              <a:ext uri="{FF2B5EF4-FFF2-40B4-BE49-F238E27FC236}">
+                <a16:creationId xmlns:a16="http://schemas.microsoft.com/office/drawing/2014/main" id="{6BFF2DD1-1D5B-4DC2-ABFB-BC57A15CA5D7}"/>
               </a:ext>
             </a:extLst>
           </p:cNvPr>
@@ -4773,19 +4519,19 @@
           <p:nvPr/>
         </p:nvGrpSpPr>
         <p:grpSpPr>
-          <a:xfrm rot="10800000">
-            <a:off x="7301947" y="5284808"/>
-            <a:ext cx="1252331" cy="291548"/>
-            <a:chOff x="3273287" y="2054087"/>
-            <a:chExt cx="1252331" cy="291548"/>
+          <a:xfrm>
+            <a:off x="3591338" y="338245"/>
+            <a:ext cx="4916557" cy="1190216"/>
+            <a:chOff x="3637721" y="4903758"/>
+            <a:chExt cx="4916557" cy="1190216"/>
           </a:xfrm>
         </p:grpSpPr>
         <p:sp>
           <p:nvSpPr>
-            <p:cNvPr id="54" name="Rechteck 53">
+            <p:cNvPr id="43" name="Rechteck 42">
               <a:extLst>
                 <a:ext uri="{FF2B5EF4-FFF2-40B4-BE49-F238E27FC236}">
-                  <a16:creationId xmlns:a16="http://schemas.microsoft.com/office/drawing/2014/main" id="{E876B84B-4470-4890-9EE5-B59D6709135C}"/>
+                  <a16:creationId xmlns:a16="http://schemas.microsoft.com/office/drawing/2014/main" id="{800C5E7A-3756-4FBB-BA7E-BCFE61BCFA81}"/>
                 </a:ext>
               </a:extLst>
             </p:cNvPr>
@@ -4794,12 +4540,18 @@
           </p:nvSpPr>
           <p:spPr>
             <a:xfrm>
-              <a:off x="3273287" y="2054087"/>
-              <a:ext cx="762002" cy="291548"/>
+              <a:off x="4702861" y="5576358"/>
+              <a:ext cx="2816087" cy="517616"/>
             </a:xfrm>
             <a:prstGeom prst="rect">
               <a:avLst/>
             </a:prstGeom>
+            <a:solidFill>
+              <a:schemeClr val="accent1">
+                <a:lumMod val="20000"/>
+                <a:lumOff val="80000"/>
+              </a:schemeClr>
+            </a:solidFill>
           </p:spPr>
           <p:style>
             <a:lnRef idx="2">
@@ -4822,54 +4574,16 @@
             <a:lstStyle/>
             <a:p>
               <a:pPr algn="ctr"/>
-              <a:endParaRPr lang="de-AT" dirty="0"/>
+              <a:endParaRPr lang="de-AT"/>
             </a:p>
           </p:txBody>
         </p:sp>
-        <p:cxnSp>
-          <p:nvCxnSpPr>
-            <p:cNvPr id="55" name="Gerader Verbinder 54">
+        <p:sp>
+          <p:nvSpPr>
+            <p:cNvPr id="46" name="Trapezoid 45">
               <a:extLst>
                 <a:ext uri="{FF2B5EF4-FFF2-40B4-BE49-F238E27FC236}">
-                  <a16:creationId xmlns:a16="http://schemas.microsoft.com/office/drawing/2014/main" id="{C64087C6-5A5A-46F3-A71B-AFF7CE4769E6}"/>
-                </a:ext>
-              </a:extLst>
-            </p:cNvPr>
-            <p:cNvCxnSpPr>
-              <a:stCxn id="54" idx="3"/>
-            </p:cNvCxnSpPr>
-            <p:nvPr/>
-          </p:nvCxnSpPr>
-          <p:spPr>
-            <a:xfrm>
-              <a:off x="4035289" y="2199861"/>
-              <a:ext cx="404190" cy="0"/>
-            </a:xfrm>
-            <a:prstGeom prst="line">
-              <a:avLst/>
-            </a:prstGeom>
-          </p:spPr>
-          <p:style>
-            <a:lnRef idx="1">
-              <a:schemeClr val="accent1"/>
-            </a:lnRef>
-            <a:fillRef idx="0">
-              <a:schemeClr val="accent1"/>
-            </a:fillRef>
-            <a:effectRef idx="0">
-              <a:schemeClr val="accent1"/>
-            </a:effectRef>
-            <a:fontRef idx="minor">
-              <a:schemeClr val="tx1"/>
-            </a:fontRef>
-          </p:style>
-        </p:cxnSp>
-        <p:sp>
-          <p:nvSpPr>
-            <p:cNvPr id="56" name="Rechteck: abgerundete Ecken 55">
-              <a:extLst>
-                <a:ext uri="{FF2B5EF4-FFF2-40B4-BE49-F238E27FC236}">
-                  <a16:creationId xmlns:a16="http://schemas.microsoft.com/office/drawing/2014/main" id="{F2A7028C-881F-4857-9F5E-7FBFF06ED904}"/>
+                  <a16:creationId xmlns:a16="http://schemas.microsoft.com/office/drawing/2014/main" id="{0644969D-AF5B-4EFC-9B9B-B0E5921761A9}"/>
                 </a:ext>
               </a:extLst>
             </p:cNvPr>
@@ -4878,12 +4592,18 @@
           </p:nvSpPr>
           <p:spPr>
             <a:xfrm>
-              <a:off x="4353339" y="2126975"/>
-              <a:ext cx="172279" cy="145771"/>
+              <a:off x="4890052" y="5202214"/>
+              <a:ext cx="887896" cy="374142"/>
             </a:xfrm>
-            <a:prstGeom prst="roundRect">
+            <a:prstGeom prst="trapezoid">
               <a:avLst/>
             </a:prstGeom>
+            <a:solidFill>
+              <a:schemeClr val="accent2">
+                <a:lumMod val="20000"/>
+                <a:lumOff val="80000"/>
+              </a:schemeClr>
+            </a:solidFill>
           </p:spPr>
           <p:style>
             <a:lnRef idx="2">
@@ -4906,37 +4626,16 @@
             <a:lstStyle/>
             <a:p>
               <a:pPr algn="ctr"/>
-              <a:endParaRPr lang="de-AT" dirty="0"/>
+              <a:endParaRPr lang="de-AT"/>
             </a:p>
           </p:txBody>
         </p:sp>
-      </p:grpSp>
-      <p:grpSp>
-        <p:nvGrpSpPr>
-          <p:cNvPr id="58" name="Gruppieren 57">
-            <a:extLst>
-              <a:ext uri="{FF2B5EF4-FFF2-40B4-BE49-F238E27FC236}">
-                <a16:creationId xmlns:a16="http://schemas.microsoft.com/office/drawing/2014/main" id="{524B4645-6BDC-4A2E-987D-31C9C550FF61}"/>
-              </a:ext>
-            </a:extLst>
-          </p:cNvPr>
-          <p:cNvGrpSpPr/>
-          <p:nvPr/>
-        </p:nvGrpSpPr>
-        <p:grpSpPr>
-          <a:xfrm>
-            <a:off x="3637721" y="5271091"/>
-            <a:ext cx="1252331" cy="291548"/>
-            <a:chOff x="3273287" y="2054087"/>
-            <a:chExt cx="1252331" cy="291548"/>
-          </a:xfrm>
-        </p:grpSpPr>
         <p:sp>
           <p:nvSpPr>
-            <p:cNvPr id="59" name="Rechteck 58">
+            <p:cNvPr id="47" name="Trapezoid 46">
               <a:extLst>
                 <a:ext uri="{FF2B5EF4-FFF2-40B4-BE49-F238E27FC236}">
-                  <a16:creationId xmlns:a16="http://schemas.microsoft.com/office/drawing/2014/main" id="{51A3A63F-5A6C-4C24-B370-62621562EB73}"/>
+                  <a16:creationId xmlns:a16="http://schemas.microsoft.com/office/drawing/2014/main" id="{2E1DDD29-4624-4B04-904C-8C69389D92AF}"/>
                 </a:ext>
               </a:extLst>
             </p:cNvPr>
@@ -4945,12 +4644,18 @@
           </p:nvSpPr>
           <p:spPr>
             <a:xfrm>
-              <a:off x="3273287" y="2054087"/>
-              <a:ext cx="762002" cy="291548"/>
+              <a:off x="6414051" y="5193696"/>
+              <a:ext cx="887896" cy="374142"/>
             </a:xfrm>
-            <a:prstGeom prst="rect">
+            <a:prstGeom prst="trapezoid">
               <a:avLst/>
             </a:prstGeom>
+            <a:solidFill>
+              <a:schemeClr val="accent2">
+                <a:lumMod val="20000"/>
+                <a:lumOff val="80000"/>
+              </a:schemeClr>
+            </a:solidFill>
           </p:spPr>
           <p:style>
             <a:lnRef idx="2">
@@ -4973,94 +4678,406 @@
             <a:lstStyle/>
             <a:p>
               <a:pPr algn="ctr"/>
-              <a:endParaRPr lang="de-AT" dirty="0"/>
+              <a:endParaRPr lang="de-AT"/>
             </a:p>
           </p:txBody>
         </p:sp>
         <p:cxnSp>
           <p:nvCxnSpPr>
-            <p:cNvPr id="60" name="Gerader Verbinder 59">
+            <p:cNvPr id="48" name="Gerader Verbinder 47">
               <a:extLst>
                 <a:ext uri="{FF2B5EF4-FFF2-40B4-BE49-F238E27FC236}">
-                  <a16:creationId xmlns:a16="http://schemas.microsoft.com/office/drawing/2014/main" id="{01D676BE-E62C-4194-96AE-7E33FAFF9475}"/>
+                  <a16:creationId xmlns:a16="http://schemas.microsoft.com/office/drawing/2014/main" id="{46FCCFCE-0A67-4508-87B7-E83C15CCC5C5}"/>
                 </a:ext>
               </a:extLst>
             </p:cNvPr>
             <p:cNvCxnSpPr>
-              <a:stCxn id="59" idx="3"/>
+              <a:cxnSpLocks/>
             </p:cNvCxnSpPr>
             <p:nvPr/>
           </p:nvCxnSpPr>
           <p:spPr>
             <a:xfrm>
-              <a:off x="4035289" y="2199861"/>
-              <a:ext cx="404190" cy="0"/>
+              <a:off x="5333798" y="4931144"/>
+              <a:ext cx="0" cy="1026214"/>
             </a:xfrm>
             <a:prstGeom prst="line">
               <a:avLst/>
             </a:prstGeom>
+            <a:ln w="9525" cap="flat" cmpd="sng" algn="ctr">
+              <a:solidFill>
+                <a:schemeClr val="accent1"/>
+              </a:solidFill>
+              <a:prstDash val="dashDot"/>
+              <a:round/>
+              <a:headEnd type="none" w="med" len="med"/>
+              <a:tailEnd type="none" w="med" len="med"/>
+            </a:ln>
           </p:spPr>
           <p:style>
-            <a:lnRef idx="1">
-              <a:schemeClr val="accent1"/>
+            <a:lnRef idx="0">
+              <a:scrgbClr r="0" g="0" b="0"/>
             </a:lnRef>
             <a:fillRef idx="0">
-              <a:schemeClr val="accent1"/>
+              <a:scrgbClr r="0" g="0" b="0"/>
             </a:fillRef>
             <a:effectRef idx="0">
-              <a:schemeClr val="accent1"/>
+              <a:scrgbClr r="0" g="0" b="0"/>
             </a:effectRef>
             <a:fontRef idx="minor">
               <a:schemeClr val="tx1"/>
             </a:fontRef>
           </p:style>
         </p:cxnSp>
-        <p:sp>
-          <p:nvSpPr>
-            <p:cNvPr id="61" name="Rechteck: abgerundete Ecken 60">
+        <p:cxnSp>
+          <p:nvCxnSpPr>
+            <p:cNvPr id="49" name="Gerader Verbinder 48">
               <a:extLst>
                 <a:ext uri="{FF2B5EF4-FFF2-40B4-BE49-F238E27FC236}">
-                  <a16:creationId xmlns:a16="http://schemas.microsoft.com/office/drawing/2014/main" id="{0E706214-1FC3-4FF1-BED8-0FE6426384D4}"/>
+                  <a16:creationId xmlns:a16="http://schemas.microsoft.com/office/drawing/2014/main" id="{0F9114C1-6A41-4B15-9578-D2E1A3E987B0}"/>
                 </a:ext>
               </a:extLst>
             </p:cNvPr>
-            <p:cNvSpPr/>
+            <p:cNvCxnSpPr>
+              <a:cxnSpLocks/>
+            </p:cNvCxnSpPr>
             <p:nvPr/>
-          </p:nvSpPr>
+          </p:nvCxnSpPr>
           <p:spPr>
             <a:xfrm>
-              <a:off x="4353339" y="2126975"/>
-              <a:ext cx="172279" cy="145771"/>
+              <a:off x="6857999" y="4903758"/>
+              <a:ext cx="0" cy="1026214"/>
             </a:xfrm>
-            <a:prstGeom prst="roundRect">
+            <a:prstGeom prst="line">
               <a:avLst/>
             </a:prstGeom>
+            <a:ln w="9525" cap="flat" cmpd="sng" algn="ctr">
+              <a:solidFill>
+                <a:schemeClr val="accent1"/>
+              </a:solidFill>
+              <a:prstDash val="dashDot"/>
+              <a:round/>
+              <a:headEnd type="none" w="med" len="med"/>
+              <a:tailEnd type="none" w="med" len="med"/>
+            </a:ln>
           </p:spPr>
           <p:style>
-            <a:lnRef idx="2">
-              <a:schemeClr val="accent1">
-                <a:shade val="50000"/>
-              </a:schemeClr>
+            <a:lnRef idx="0">
+              <a:scrgbClr r="0" g="0" b="0"/>
             </a:lnRef>
-            <a:fillRef idx="1">
-              <a:schemeClr val="accent1"/>
+            <a:fillRef idx="0">
+              <a:scrgbClr r="0" g="0" b="0"/>
             </a:fillRef>
             <a:effectRef idx="0">
-              <a:schemeClr val="accent1"/>
+              <a:scrgbClr r="0" g="0" b="0"/>
             </a:effectRef>
             <a:fontRef idx="minor">
-              <a:schemeClr val="lt1"/>
+              <a:schemeClr val="tx1"/>
             </a:fontRef>
           </p:style>
-          <p:txBody>
-            <a:bodyPr rtlCol="0" anchor="ctr"/>
-            <a:lstStyle/>
-            <a:p>
-              <a:pPr algn="ctr"/>
-              <a:endParaRPr lang="de-AT" dirty="0"/>
-            </a:p>
-          </p:txBody>
-        </p:sp>
+        </p:cxnSp>
+        <p:grpSp>
+          <p:nvGrpSpPr>
+            <p:cNvPr id="53" name="Gruppieren 52">
+              <a:extLst>
+                <a:ext uri="{FF2B5EF4-FFF2-40B4-BE49-F238E27FC236}">
+                  <a16:creationId xmlns:a16="http://schemas.microsoft.com/office/drawing/2014/main" id="{72ACB89C-0D77-4750-8F8C-02519839FAD4}"/>
+                </a:ext>
+              </a:extLst>
+            </p:cNvPr>
+            <p:cNvGrpSpPr/>
+            <p:nvPr/>
+          </p:nvGrpSpPr>
+          <p:grpSpPr>
+            <a:xfrm rot="10800000">
+              <a:off x="7301947" y="5284808"/>
+              <a:ext cx="1252331" cy="291548"/>
+              <a:chOff x="3273287" y="2054087"/>
+              <a:chExt cx="1252331" cy="291548"/>
+            </a:xfrm>
+          </p:grpSpPr>
+          <p:sp>
+            <p:nvSpPr>
+              <p:cNvPr id="54" name="Rechteck 53">
+                <a:extLst>
+                  <a:ext uri="{FF2B5EF4-FFF2-40B4-BE49-F238E27FC236}">
+                    <a16:creationId xmlns:a16="http://schemas.microsoft.com/office/drawing/2014/main" id="{E876B84B-4470-4890-9EE5-B59D6709135C}"/>
+                  </a:ext>
+                </a:extLst>
+              </p:cNvPr>
+              <p:cNvSpPr/>
+              <p:nvPr/>
+            </p:nvSpPr>
+            <p:spPr>
+              <a:xfrm>
+                <a:off x="3273287" y="2054087"/>
+                <a:ext cx="762002" cy="291548"/>
+              </a:xfrm>
+              <a:prstGeom prst="rect">
+                <a:avLst/>
+              </a:prstGeom>
+            </p:spPr>
+            <p:style>
+              <a:lnRef idx="2">
+                <a:schemeClr val="accent1">
+                  <a:shade val="50000"/>
+                </a:schemeClr>
+              </a:lnRef>
+              <a:fillRef idx="1">
+                <a:schemeClr val="accent1"/>
+              </a:fillRef>
+              <a:effectRef idx="0">
+                <a:schemeClr val="accent1"/>
+              </a:effectRef>
+              <a:fontRef idx="minor">
+                <a:schemeClr val="lt1"/>
+              </a:fontRef>
+            </p:style>
+            <p:txBody>
+              <a:bodyPr rtlCol="0" anchor="ctr"/>
+              <a:lstStyle/>
+              <a:p>
+                <a:pPr algn="ctr"/>
+                <a:endParaRPr lang="de-AT" dirty="0"/>
+              </a:p>
+            </p:txBody>
+          </p:sp>
+          <p:cxnSp>
+            <p:nvCxnSpPr>
+              <p:cNvPr id="55" name="Gerader Verbinder 54">
+                <a:extLst>
+                  <a:ext uri="{FF2B5EF4-FFF2-40B4-BE49-F238E27FC236}">
+                    <a16:creationId xmlns:a16="http://schemas.microsoft.com/office/drawing/2014/main" id="{C64087C6-5A5A-46F3-A71B-AFF7CE4769E6}"/>
+                  </a:ext>
+                </a:extLst>
+              </p:cNvPr>
+              <p:cNvCxnSpPr>
+                <a:stCxn id="54" idx="3"/>
+              </p:cNvCxnSpPr>
+              <p:nvPr/>
+            </p:nvCxnSpPr>
+            <p:spPr>
+              <a:xfrm>
+                <a:off x="4035289" y="2199861"/>
+                <a:ext cx="404190" cy="0"/>
+              </a:xfrm>
+              <a:prstGeom prst="line">
+                <a:avLst/>
+              </a:prstGeom>
+            </p:spPr>
+            <p:style>
+              <a:lnRef idx="1">
+                <a:schemeClr val="accent1"/>
+              </a:lnRef>
+              <a:fillRef idx="0">
+                <a:schemeClr val="accent1"/>
+              </a:fillRef>
+              <a:effectRef idx="0">
+                <a:schemeClr val="accent1"/>
+              </a:effectRef>
+              <a:fontRef idx="minor">
+                <a:schemeClr val="tx1"/>
+              </a:fontRef>
+            </p:style>
+          </p:cxnSp>
+          <p:sp>
+            <p:nvSpPr>
+              <p:cNvPr id="56" name="Rechteck: abgerundete Ecken 55">
+                <a:extLst>
+                  <a:ext uri="{FF2B5EF4-FFF2-40B4-BE49-F238E27FC236}">
+                    <a16:creationId xmlns:a16="http://schemas.microsoft.com/office/drawing/2014/main" id="{F2A7028C-881F-4857-9F5E-7FBFF06ED904}"/>
+                  </a:ext>
+                </a:extLst>
+              </p:cNvPr>
+              <p:cNvSpPr/>
+              <p:nvPr/>
+            </p:nvSpPr>
+            <p:spPr>
+              <a:xfrm>
+                <a:off x="4353339" y="2126975"/>
+                <a:ext cx="172279" cy="145771"/>
+              </a:xfrm>
+              <a:prstGeom prst="roundRect">
+                <a:avLst/>
+              </a:prstGeom>
+            </p:spPr>
+            <p:style>
+              <a:lnRef idx="2">
+                <a:schemeClr val="accent1">
+                  <a:shade val="50000"/>
+                </a:schemeClr>
+              </a:lnRef>
+              <a:fillRef idx="1">
+                <a:schemeClr val="accent1"/>
+              </a:fillRef>
+              <a:effectRef idx="0">
+                <a:schemeClr val="accent1"/>
+              </a:effectRef>
+              <a:fontRef idx="minor">
+                <a:schemeClr val="lt1"/>
+              </a:fontRef>
+            </p:style>
+            <p:txBody>
+              <a:bodyPr rtlCol="0" anchor="ctr"/>
+              <a:lstStyle/>
+              <a:p>
+                <a:pPr algn="ctr"/>
+                <a:endParaRPr lang="de-AT" dirty="0"/>
+              </a:p>
+            </p:txBody>
+          </p:sp>
+        </p:grpSp>
+        <p:grpSp>
+          <p:nvGrpSpPr>
+            <p:cNvPr id="58" name="Gruppieren 57">
+              <a:extLst>
+                <a:ext uri="{FF2B5EF4-FFF2-40B4-BE49-F238E27FC236}">
+                  <a16:creationId xmlns:a16="http://schemas.microsoft.com/office/drawing/2014/main" id="{524B4645-6BDC-4A2E-987D-31C9C550FF61}"/>
+                </a:ext>
+              </a:extLst>
+            </p:cNvPr>
+            <p:cNvGrpSpPr/>
+            <p:nvPr/>
+          </p:nvGrpSpPr>
+          <p:grpSpPr>
+            <a:xfrm>
+              <a:off x="3637721" y="5271091"/>
+              <a:ext cx="1252331" cy="291548"/>
+              <a:chOff x="3273287" y="2054087"/>
+              <a:chExt cx="1252331" cy="291548"/>
+            </a:xfrm>
+          </p:grpSpPr>
+          <p:sp>
+            <p:nvSpPr>
+              <p:cNvPr id="59" name="Rechteck 58">
+                <a:extLst>
+                  <a:ext uri="{FF2B5EF4-FFF2-40B4-BE49-F238E27FC236}">
+                    <a16:creationId xmlns:a16="http://schemas.microsoft.com/office/drawing/2014/main" id="{51A3A63F-5A6C-4C24-B370-62621562EB73}"/>
+                  </a:ext>
+                </a:extLst>
+              </p:cNvPr>
+              <p:cNvSpPr/>
+              <p:nvPr/>
+            </p:nvSpPr>
+            <p:spPr>
+              <a:xfrm>
+                <a:off x="3273287" y="2054087"/>
+                <a:ext cx="762002" cy="291548"/>
+              </a:xfrm>
+              <a:prstGeom prst="rect">
+                <a:avLst/>
+              </a:prstGeom>
+            </p:spPr>
+            <p:style>
+              <a:lnRef idx="2">
+                <a:schemeClr val="accent1">
+                  <a:shade val="50000"/>
+                </a:schemeClr>
+              </a:lnRef>
+              <a:fillRef idx="1">
+                <a:schemeClr val="accent1"/>
+              </a:fillRef>
+              <a:effectRef idx="0">
+                <a:schemeClr val="accent1"/>
+              </a:effectRef>
+              <a:fontRef idx="minor">
+                <a:schemeClr val="lt1"/>
+              </a:fontRef>
+            </p:style>
+            <p:txBody>
+              <a:bodyPr rtlCol="0" anchor="ctr"/>
+              <a:lstStyle/>
+              <a:p>
+                <a:pPr algn="ctr"/>
+                <a:endParaRPr lang="de-AT" dirty="0"/>
+              </a:p>
+            </p:txBody>
+          </p:sp>
+          <p:cxnSp>
+            <p:nvCxnSpPr>
+              <p:cNvPr id="60" name="Gerader Verbinder 59">
+                <a:extLst>
+                  <a:ext uri="{FF2B5EF4-FFF2-40B4-BE49-F238E27FC236}">
+                    <a16:creationId xmlns:a16="http://schemas.microsoft.com/office/drawing/2014/main" id="{01D676BE-E62C-4194-96AE-7E33FAFF9475}"/>
+                  </a:ext>
+                </a:extLst>
+              </p:cNvPr>
+              <p:cNvCxnSpPr>
+                <a:stCxn id="59" idx="3"/>
+              </p:cNvCxnSpPr>
+              <p:nvPr/>
+            </p:nvCxnSpPr>
+            <p:spPr>
+              <a:xfrm>
+                <a:off x="4035289" y="2199861"/>
+                <a:ext cx="404190" cy="0"/>
+              </a:xfrm>
+              <a:prstGeom prst="line">
+                <a:avLst/>
+              </a:prstGeom>
+            </p:spPr>
+            <p:style>
+              <a:lnRef idx="1">
+                <a:schemeClr val="accent1"/>
+              </a:lnRef>
+              <a:fillRef idx="0">
+                <a:schemeClr val="accent1"/>
+              </a:fillRef>
+              <a:effectRef idx="0">
+                <a:schemeClr val="accent1"/>
+              </a:effectRef>
+              <a:fontRef idx="minor">
+                <a:schemeClr val="tx1"/>
+              </a:fontRef>
+            </p:style>
+          </p:cxnSp>
+          <p:sp>
+            <p:nvSpPr>
+              <p:cNvPr id="61" name="Rechteck: abgerundete Ecken 60">
+                <a:extLst>
+                  <a:ext uri="{FF2B5EF4-FFF2-40B4-BE49-F238E27FC236}">
+                    <a16:creationId xmlns:a16="http://schemas.microsoft.com/office/drawing/2014/main" id="{0E706214-1FC3-4FF1-BED8-0FE6426384D4}"/>
+                  </a:ext>
+                </a:extLst>
+              </p:cNvPr>
+              <p:cNvSpPr/>
+              <p:nvPr/>
+            </p:nvSpPr>
+            <p:spPr>
+              <a:xfrm>
+                <a:off x="4353339" y="2126975"/>
+                <a:ext cx="172279" cy="145771"/>
+              </a:xfrm>
+              <a:prstGeom prst="roundRect">
+                <a:avLst/>
+              </a:prstGeom>
+            </p:spPr>
+            <p:style>
+              <a:lnRef idx="2">
+                <a:schemeClr val="accent1">
+                  <a:shade val="50000"/>
+                </a:schemeClr>
+              </a:lnRef>
+              <a:fillRef idx="1">
+                <a:schemeClr val="accent1"/>
+              </a:fillRef>
+              <a:effectRef idx="0">
+                <a:schemeClr val="accent1"/>
+              </a:effectRef>
+              <a:fontRef idx="minor">
+                <a:schemeClr val="lt1"/>
+              </a:fontRef>
+            </p:style>
+            <p:txBody>
+              <a:bodyPr rtlCol="0" anchor="ctr"/>
+              <a:lstStyle/>
+              <a:p>
+                <a:pPr algn="ctr"/>
+                <a:endParaRPr lang="de-AT" dirty="0"/>
+              </a:p>
+            </p:txBody>
+          </p:sp>
+        </p:grpSp>
       </p:grpSp>
     </p:spTree>
     <p:extLst>
